--- a/HAOCHENYANG.pptx
+++ b/HAOCHENYANG.pptx
@@ -213,7 +213,7 @@
           <a:p>
             <a:fld id="{20C82E5D-8BB1-4143-9A8E-7C31694E4928}" type="datetimeFigureOut">
               <a:rPr lang="zh-CN" altLang="en-US" smtClean="0"/>
-              <a:t>2019/12/4</a:t>
+              <a:t>2019/12/5</a:t>
             </a:fld>
             <a:endParaRPr lang="zh-CN" altLang="en-US"/>
           </a:p>
@@ -1069,8 +1069,8 @@
         </p:nvSpPr>
         <p:spPr>
           <a:xfrm>
-            <a:off x="6396687" y="2359141"/>
-            <a:ext cx="4689041" cy="923330"/>
+            <a:off x="6396687" y="2497641"/>
+            <a:ext cx="4689041" cy="784830"/>
           </a:xfrm>
           <a:prstGeom prst="rect">
             <a:avLst/>
@@ -1099,20 +1099,6 @@
               </a:rPr>
               <a:t>MXA DS TEAM</a:t>
             </a:r>
-          </a:p>
-          <a:p>
-            <a:pPr>
-              <a:lnSpc>
-                <a:spcPct val="90000"/>
-              </a:lnSpc>
-            </a:pPr>
-            <a:endParaRPr lang="en-US" altLang="zh-CN" sz="1000" dirty="0">
-              <a:solidFill>
-                <a:srgbClr val="4C4B4B"/>
-              </a:solidFill>
-              <a:latin typeface="微软雅黑" pitchFamily="34" charset="-122"/>
-              <a:ea typeface="微软雅黑" pitchFamily="34" charset="-122"/>
-            </a:endParaRPr>
           </a:p>
           <a:p>
             <a:pPr>
@@ -1195,18 +1181,6 @@
   <p:clrMapOvr>
     <a:masterClrMapping/>
   </p:clrMapOvr>
-  <mc:AlternateContent xmlns:mc="http://schemas.openxmlformats.org/markup-compatibility/2006" xmlns:p14="http://schemas.microsoft.com/office/powerpoint/2010/main">
-    <mc:Choice Requires="p14">
-      <p:transition spd="med" p14:dur="700">
-        <p:fade/>
-      </p:transition>
-    </mc:Choice>
-    <mc:Fallback xmlns="">
-      <p:transition xmlns:p14="http://schemas.microsoft.com/office/powerpoint/2010/main" spd="med">
-        <p:fade/>
-      </p:transition>
-    </mc:Fallback>
-  </mc:AlternateContent>
 </p:sld>
 </file>
 
@@ -1694,52 +1668,6 @@
           </a:p>
         </p:txBody>
       </p:sp>
-      <p:pic>
-        <p:nvPicPr>
-          <p:cNvPr id="36" name="图片 35" descr="155430705 2.png"/>
-          <p:cNvPicPr>
-            <a:picLocks noChangeAspect="1"/>
-          </p:cNvPicPr>
-          <p:nvPr/>
-        </p:nvPicPr>
-        <p:blipFill>
-          <a:blip r:embed="rId2">
-            <a:extLst>
-              <a:ext uri="{BEBA8EAE-BF5A-486C-A8C5-ECC9F3942E4B}">
-                <a14:imgProps xmlns:a14="http://schemas.microsoft.com/office/drawing/2010/main">
-                  <a14:imgLayer r:embed="rId3">
-                    <a14:imgEffect>
-                      <a14:colorTemperature colorTemp="8800"/>
-                    </a14:imgEffect>
-                  </a14:imgLayer>
-                </a14:imgProps>
-              </a:ext>
-              <a:ext uri="{28A0092B-C50C-407E-A947-70E740481C1C}">
-                <a14:useLocalDpi xmlns:a14="http://schemas.microsoft.com/office/drawing/2010/main" val="0"/>
-              </a:ext>
-            </a:extLst>
-          </a:blip>
-          <a:stretch>
-            <a:fillRect/>
-          </a:stretch>
-        </p:blipFill>
-        <p:spPr>
-          <a:xfrm>
-            <a:off x="1766049" y="1489852"/>
-            <a:ext cx="2163795" cy="2163795"/>
-          </a:xfrm>
-          <a:prstGeom prst="rect">
-            <a:avLst/>
-          </a:prstGeom>
-          <a:effectLst>
-            <a:outerShdw blurRad="50800" dist="38100" dir="5400000" algn="t" rotWithShape="0">
-              <a:prstClr val="black">
-                <a:alpha val="40000"/>
-              </a:prstClr>
-            </a:outerShdw>
-          </a:effectLst>
-        </p:spPr>
-      </p:pic>
       <p:sp>
         <p:nvSpPr>
           <p:cNvPr id="59" name="Freeform 156"/>
@@ -2314,6 +2242,63 @@
           </a:p>
         </p:txBody>
       </p:sp>
+      <p:sp>
+        <p:nvSpPr>
+          <p:cNvPr id="2" name="椭圆 1">
+            <a:extLst>
+              <a:ext uri="{FF2B5EF4-FFF2-40B4-BE49-F238E27FC236}">
+                <a16:creationId xmlns:a16="http://schemas.microsoft.com/office/drawing/2014/main" id="{4274A13E-D846-40C0-89E5-2B2D8688704A}"/>
+              </a:ext>
+            </a:extLst>
+          </p:cNvPr>
+          <p:cNvSpPr/>
+          <p:nvPr/>
+        </p:nvSpPr>
+        <p:spPr>
+          <a:xfrm>
+            <a:off x="2053525" y="1472339"/>
+            <a:ext cx="1596326" cy="2088687"/>
+          </a:xfrm>
+          <a:prstGeom prst="ellipse">
+            <a:avLst/>
+          </a:prstGeom>
+          <a:blipFill dpi="0" rotWithShape="1">
+            <a:blip r:embed="rId2">
+              <a:extLst>
+                <a:ext uri="{28A0092B-C50C-407E-A947-70E740481C1C}">
+                  <a14:useLocalDpi xmlns:a14="http://schemas.microsoft.com/office/drawing/2010/main" val="0"/>
+                </a:ext>
+              </a:extLst>
+            </a:blip>
+            <a:srcRect/>
+            <a:stretch>
+              <a:fillRect/>
+            </a:stretch>
+          </a:blipFill>
+        </p:spPr>
+        <p:style>
+          <a:lnRef idx="1">
+            <a:schemeClr val="accent1"/>
+          </a:lnRef>
+          <a:fillRef idx="3">
+            <a:schemeClr val="accent1"/>
+          </a:fillRef>
+          <a:effectRef idx="2">
+            <a:schemeClr val="accent1"/>
+          </a:effectRef>
+          <a:fontRef idx="minor">
+            <a:schemeClr val="lt1"/>
+          </a:fontRef>
+        </p:style>
+        <p:txBody>
+          <a:bodyPr rtlCol="0" anchor="ctr"/>
+          <a:lstStyle/>
+          <a:p>
+            <a:pPr algn="ctr"/>
+            <a:endParaRPr lang="zh-CN" altLang="en-US"/>
+          </a:p>
+        </p:txBody>
+      </p:sp>
     </p:spTree>
     <p:extLst>
       <p:ext uri="{BB962C8B-B14F-4D97-AF65-F5344CB8AC3E}">
@@ -2324,18 +2309,6 @@
   <p:clrMapOvr>
     <a:masterClrMapping/>
   </p:clrMapOvr>
-  <mc:AlternateContent xmlns:mc="http://schemas.openxmlformats.org/markup-compatibility/2006" xmlns:p14="http://schemas.microsoft.com/office/powerpoint/2010/main">
-    <mc:Choice Requires="p14">
-      <p:transition spd="med" p14:dur="700">
-        <p:fade/>
-      </p:transition>
-    </mc:Choice>
-    <mc:Fallback xmlns="">
-      <p:transition xmlns:p14="http://schemas.microsoft.com/office/powerpoint/2010/main" spd="med">
-        <p:fade/>
-      </p:transition>
-    </mc:Fallback>
-  </mc:AlternateContent>
 </p:sld>
 </file>
 
@@ -4936,18 +4909,6 @@
   <p:clrMapOvr>
     <a:masterClrMapping/>
   </p:clrMapOvr>
-  <mc:AlternateContent xmlns:mc="http://schemas.openxmlformats.org/markup-compatibility/2006" xmlns:p14="http://schemas.microsoft.com/office/powerpoint/2010/main">
-    <mc:Choice Requires="p14">
-      <p:transition spd="slow" p14:dur="1300">
-        <p14:pan dir="u"/>
-      </p:transition>
-    </mc:Choice>
-    <mc:Fallback xmlns="">
-      <p:transition xmlns:p14="http://schemas.microsoft.com/office/powerpoint/2010/main" spd="slow">
-        <p:fade/>
-      </p:transition>
-    </mc:Fallback>
-  </mc:AlternateContent>
 </p:sld>
 </file>
 
@@ -5566,18 +5527,6 @@
   <p:clrMapOvr>
     <a:masterClrMapping/>
   </p:clrMapOvr>
-  <mc:AlternateContent xmlns:mc="http://schemas.openxmlformats.org/markup-compatibility/2006" xmlns:p14="http://schemas.microsoft.com/office/powerpoint/2010/main">
-    <mc:Choice Requires="p14">
-      <p:transition spd="slow" p14:dur="2000">
-        <p14:ferris dir="l"/>
-      </p:transition>
-    </mc:Choice>
-    <mc:Fallback xmlns="">
-      <p:transition xmlns:p14="http://schemas.microsoft.com/office/powerpoint/2010/main" spd="slow">
-        <p:fade/>
-      </p:transition>
-    </mc:Fallback>
-  </mc:AlternateContent>
 </p:sld>
 </file>
 
@@ -5955,18 +5904,6 @@
   <p:clrMapOvr>
     <a:masterClrMapping/>
   </p:clrMapOvr>
-  <mc:AlternateContent xmlns:mc="http://schemas.openxmlformats.org/markup-compatibility/2006" xmlns:p14="http://schemas.microsoft.com/office/powerpoint/2010/main">
-    <mc:Choice Requires="p14">
-      <p:transition spd="med" p14:dur="700">
-        <p:fade/>
-      </p:transition>
-    </mc:Choice>
-    <mc:Fallback xmlns="">
-      <p:transition xmlns:p14="http://schemas.microsoft.com/office/powerpoint/2010/main" spd="med">
-        <p:fade/>
-      </p:transition>
-    </mc:Fallback>
-  </mc:AlternateContent>
 </p:sld>
 </file>
 
@@ -5995,7 +5932,7 @@
         </p:nvSpPr>
         <p:spPr>
           <a:xfrm>
-            <a:off x="2227480" y="1518027"/>
+            <a:off x="2227480" y="1915160"/>
             <a:ext cx="4689041" cy="656590"/>
           </a:xfrm>
           <a:prstGeom prst="rect">
@@ -6084,18 +6021,6 @@
   <p:clrMapOvr>
     <a:masterClrMapping/>
   </p:clrMapOvr>
-  <mc:AlternateContent xmlns:mc="http://schemas.openxmlformats.org/markup-compatibility/2006" xmlns:p14="http://schemas.microsoft.com/office/powerpoint/2010/main">
-    <mc:Choice Requires="p14">
-      <p:transition spd="slow" p14:dur="1300">
-        <p14:pan dir="u"/>
-      </p:transition>
-    </mc:Choice>
-    <mc:Fallback xmlns="">
-      <p:transition xmlns:p14="http://schemas.microsoft.com/office/powerpoint/2010/main" spd="slow">
-        <p:fade/>
-      </p:transition>
-    </mc:Fallback>
-  </mc:AlternateContent>
 </p:sld>
 </file>
 
@@ -6681,21 +6606,21 @@
 </file>
 
 <file path=customXml/item1.xml><?xml version="1.0" encoding="utf-8"?>
+<p:properties xmlns:p="http://schemas.microsoft.com/office/2006/metadata/properties" xmlns:xsi="http://www.w3.org/2001/XMLSchema-instance" xmlns:pc="http://schemas.microsoft.com/office/infopath/2007/PartnerControls">
+  <documentManagement>
+    <_Version xmlns="http://schemas.microsoft.com/sharepoint/v3/fields" xsi:nil="true"/>
+    <_Status xmlns="http://schemas.microsoft.com/sharepoint/v3/fields">Not Started</_Status>
+  </documentManagement>
+</p:properties>
+</file>
+
+<file path=customXml/item2.xml><?xml version="1.0" encoding="utf-8"?>
 <?mso-contentType ?>
 <FormTemplates xmlns="http://schemas.microsoft.com/sharepoint/v3/contenttype/forms">
   <Display>DocumentLibraryForm</Display>
   <Edit>DocumentLibraryForm</Edit>
   <New>DocumentLibraryForm</New>
 </FormTemplates>
-</file>
-
-<file path=customXml/item2.xml><?xml version="1.0" encoding="utf-8"?>
-<p:properties xmlns:p="http://schemas.microsoft.com/office/2006/metadata/properties" xmlns:xsi="http://www.w3.org/2001/XMLSchema-instance" xmlns:pc="http://schemas.microsoft.com/office/infopath/2007/PartnerControls">
-  <documentManagement>
-    <_Version xmlns="http://schemas.microsoft.com/sharepoint/v3/fields" xsi:nil="true"/>
-    <_Status xmlns="http://schemas.microsoft.com/sharepoint/v3/fields">Not Started</_Status>
-  </documentManagement>
-</p:properties>
 </file>
 
 <file path=customXml/item3.xml><?xml version="1.0" encoding="utf-8"?>
@@ -6843,19 +6768,19 @@
 </file>
 
 <file path=customXml/itemProps1.xml><?xml version="1.0" encoding="utf-8"?>
-<ds:datastoreItem xmlns:ds="http://schemas.openxmlformats.org/officeDocument/2006/customXml" ds:itemID="{87D2A1B0-FF3E-4009-940D-AED0EB70AA20}">
+<ds:datastoreItem xmlns:ds="http://schemas.openxmlformats.org/officeDocument/2006/customXml" ds:itemID="{7B6F2769-7194-4217-93D3-3AF3A4742282}">
   <ds:schemaRefs>
-    <ds:schemaRef ds:uri="http://schemas.microsoft.com/sharepoint/v3/contenttype/forms"/>
+    <ds:schemaRef ds:uri="http://schemas.microsoft.com/office/2006/metadata/properties"/>
+    <ds:schemaRef ds:uri="http://schemas.microsoft.com/office/infopath/2007/PartnerControls"/>
+    <ds:schemaRef ds:uri="http://schemas.microsoft.com/sharepoint/v3/fields"/>
   </ds:schemaRefs>
 </ds:datastoreItem>
 </file>
 
 <file path=customXml/itemProps2.xml><?xml version="1.0" encoding="utf-8"?>
-<ds:datastoreItem xmlns:ds="http://schemas.openxmlformats.org/officeDocument/2006/customXml" ds:itemID="{7B6F2769-7194-4217-93D3-3AF3A4742282}">
+<ds:datastoreItem xmlns:ds="http://schemas.openxmlformats.org/officeDocument/2006/customXml" ds:itemID="{87D2A1B0-FF3E-4009-940D-AED0EB70AA20}">
   <ds:schemaRefs>
-    <ds:schemaRef ds:uri="http://schemas.microsoft.com/office/2006/metadata/properties"/>
-    <ds:schemaRef ds:uri="http://schemas.microsoft.com/office/infopath/2007/PartnerControls"/>
-    <ds:schemaRef ds:uri="http://schemas.microsoft.com/sharepoint/v3/fields"/>
+    <ds:schemaRef ds:uri="http://schemas.microsoft.com/sharepoint/v3/contenttype/forms"/>
   </ds:schemaRefs>
 </ds:datastoreItem>
 </file>

--- a/HAOCHENYANG.pptx
+++ b/HAOCHENYANG.pptx
@@ -5103,7 +5103,7 @@
                     </a:innerShdw>
                   </a:effectLst>
                 </a:rPr>
-                <a:t>Hobbits</a:t>
+                <a:t>Hobbies</a:t>
               </a:r>
               <a:endParaRPr kumimoji="1" lang="zh-CN" altLang="en-US" sz="2400" b="1" dirty="0">
                 <a:solidFill>
@@ -6606,21 +6606,21 @@
 </file>
 
 <file path=customXml/item1.xml><?xml version="1.0" encoding="utf-8"?>
+<?mso-contentType ?>
+<FormTemplates xmlns="http://schemas.microsoft.com/sharepoint/v3/contenttype/forms">
+  <Display>DocumentLibraryForm</Display>
+  <Edit>DocumentLibraryForm</Edit>
+  <New>DocumentLibraryForm</New>
+</FormTemplates>
+</file>
+
+<file path=customXml/item2.xml><?xml version="1.0" encoding="utf-8"?>
 <p:properties xmlns:p="http://schemas.microsoft.com/office/2006/metadata/properties" xmlns:xsi="http://www.w3.org/2001/XMLSchema-instance" xmlns:pc="http://schemas.microsoft.com/office/infopath/2007/PartnerControls">
   <documentManagement>
     <_Version xmlns="http://schemas.microsoft.com/sharepoint/v3/fields" xsi:nil="true"/>
     <_Status xmlns="http://schemas.microsoft.com/sharepoint/v3/fields">Not Started</_Status>
   </documentManagement>
 </p:properties>
-</file>
-
-<file path=customXml/item2.xml><?xml version="1.0" encoding="utf-8"?>
-<?mso-contentType ?>
-<FormTemplates xmlns="http://schemas.microsoft.com/sharepoint/v3/contenttype/forms">
-  <Display>DocumentLibraryForm</Display>
-  <Edit>DocumentLibraryForm</Edit>
-  <New>DocumentLibraryForm</New>
-</FormTemplates>
 </file>
 
 <file path=customXml/item3.xml><?xml version="1.0" encoding="utf-8"?>
@@ -6768,19 +6768,19 @@
 </file>
 
 <file path=customXml/itemProps1.xml><?xml version="1.0" encoding="utf-8"?>
+<ds:datastoreItem xmlns:ds="http://schemas.openxmlformats.org/officeDocument/2006/customXml" ds:itemID="{87D2A1B0-FF3E-4009-940D-AED0EB70AA20}">
+  <ds:schemaRefs>
+    <ds:schemaRef ds:uri="http://schemas.microsoft.com/sharepoint/v3/contenttype/forms"/>
+  </ds:schemaRefs>
+</ds:datastoreItem>
+</file>
+
+<file path=customXml/itemProps2.xml><?xml version="1.0" encoding="utf-8"?>
 <ds:datastoreItem xmlns:ds="http://schemas.openxmlformats.org/officeDocument/2006/customXml" ds:itemID="{7B6F2769-7194-4217-93D3-3AF3A4742282}">
   <ds:schemaRefs>
     <ds:schemaRef ds:uri="http://schemas.microsoft.com/office/2006/metadata/properties"/>
     <ds:schemaRef ds:uri="http://schemas.microsoft.com/office/infopath/2007/PartnerControls"/>
     <ds:schemaRef ds:uri="http://schemas.microsoft.com/sharepoint/v3/fields"/>
-  </ds:schemaRefs>
-</ds:datastoreItem>
-</file>
-
-<file path=customXml/itemProps2.xml><?xml version="1.0" encoding="utf-8"?>
-<ds:datastoreItem xmlns:ds="http://schemas.openxmlformats.org/officeDocument/2006/customXml" ds:itemID="{87D2A1B0-FF3E-4009-940D-AED0EB70AA20}">
-  <ds:schemaRefs>
-    <ds:schemaRef ds:uri="http://schemas.microsoft.com/sharepoint/v3/contenttype/forms"/>
   </ds:schemaRefs>
 </ds:datastoreItem>
 </file>
